--- a/slides/2011-Entity-Extraction-Tutorial-v5.pptx
+++ b/slides/2011-Entity-Extraction-Tutorial-v5.pptx
@@ -3497,34 +3497,32 @@
       </p:grpSp>
       <p:pic>
         <p:nvPicPr>
-          <p:cNvPr id="135169" name="Picture 1"/>
+          <p:cNvPr id="3" name="Picture 2" descr="A orange and white logo&#10;&#10;Description automatically generated with medium confidence">
+            <a:extLst>
+              <a:ext uri="{FF2B5EF4-FFF2-40B4-BE49-F238E27FC236}">
+                <a16:creationId xmlns:a16="http://schemas.microsoft.com/office/drawing/2014/main" id="{E13BA32D-5169-9421-5745-E4B4C23EEEF6}"/>
+              </a:ext>
+            </a:extLst>
+          </p:cNvPr>
           <p:cNvPicPr>
-            <a:picLocks noChangeAspect="1" noChangeArrowheads="1"/>
+            <a:picLocks noChangeAspect="1"/>
           </p:cNvPicPr>
           <p:nvPr/>
         </p:nvPicPr>
         <p:blipFill>
           <a:blip r:embed="rId2"/>
-          <a:srcRect/>
           <a:stretch>
             <a:fillRect/>
           </a:stretch>
         </p:blipFill>
-        <p:spPr bwMode="auto">
-          <a:xfrm>
-            <a:off x="342900" y="457200"/>
-            <a:ext cx="8343900" cy="1769918"/>
+        <p:spPr>
+          <a:xfrm>
+            <a:off x="122888" y="394103"/>
+            <a:ext cx="8712477" cy="1663291"/>
           </a:xfrm>
           <a:prstGeom prst="rect">
             <a:avLst/>
           </a:prstGeom>
-          <a:noFill/>
-          <a:ln w="9525">
-            <a:noFill/>
-            <a:miter lim="800000"/>
-            <a:headEnd/>
-            <a:tailEnd/>
-          </a:ln>
         </p:spPr>
       </p:pic>
     </p:spTree>
@@ -26798,7 +26796,7 @@
           <a:graphicData uri="http://schemas.openxmlformats.org/presentationml/2006/ole">
             <mc:AlternateContent xmlns:mc="http://schemas.openxmlformats.org/markup-compatibility/2006">
               <mc:Choice xmlns:v="urn:schemas-microsoft-com:vml" Requires="v">
-                <p:oleObj spid="_x0000_s74754" r:id="rId2" imgW="7082966" imgH="4480190" progId="Excel.Sheet.8">
+                <p:oleObj r:id="rId2" imgW="7082966" imgH="4480190" progId="Excel.Sheet.8">
                   <p:embed/>
                 </p:oleObj>
               </mc:Choice>
